--- a/Resources/VRCPhotoAlbumImages.pptx
+++ b/Resources/VRCPhotoAlbumImages.pptx
@@ -243,7 +243,7 @@
           <a:p>
             <a:fld id="{EBA4941A-5C81-4E9F-A16C-82090CCC0FD4}" type="datetimeFigureOut">
               <a:rPr kumimoji="1" lang="ja-JP" altLang="en-US" smtClean="0"/>
-              <a:t>2020/6/13</a:t>
+              <a:t>2020/6/22</a:t>
             </a:fld>
             <a:endParaRPr kumimoji="1" lang="ja-JP" altLang="en-US"/>
           </a:p>
@@ -445,7 +445,7 @@
           <a:p>
             <a:fld id="{EBA4941A-5C81-4E9F-A16C-82090CCC0FD4}" type="datetimeFigureOut">
               <a:rPr kumimoji="1" lang="ja-JP" altLang="en-US" smtClean="0"/>
-              <a:t>2020/6/13</a:t>
+              <a:t>2020/6/22</a:t>
             </a:fld>
             <a:endParaRPr kumimoji="1" lang="ja-JP" altLang="en-US"/>
           </a:p>
@@ -657,7 +657,7 @@
           <a:p>
             <a:fld id="{EBA4941A-5C81-4E9F-A16C-82090CCC0FD4}" type="datetimeFigureOut">
               <a:rPr kumimoji="1" lang="ja-JP" altLang="en-US" smtClean="0"/>
-              <a:t>2020/6/13</a:t>
+              <a:t>2020/6/22</a:t>
             </a:fld>
             <a:endParaRPr kumimoji="1" lang="ja-JP" altLang="en-US"/>
           </a:p>
@@ -859,7 +859,7 @@
           <a:p>
             <a:fld id="{EBA4941A-5C81-4E9F-A16C-82090CCC0FD4}" type="datetimeFigureOut">
               <a:rPr kumimoji="1" lang="ja-JP" altLang="en-US" smtClean="0"/>
-              <a:t>2020/6/13</a:t>
+              <a:t>2020/6/22</a:t>
             </a:fld>
             <a:endParaRPr kumimoji="1" lang="ja-JP" altLang="en-US"/>
           </a:p>
@@ -1105,7 +1105,7 @@
           <a:p>
             <a:fld id="{EBA4941A-5C81-4E9F-A16C-82090CCC0FD4}" type="datetimeFigureOut">
               <a:rPr kumimoji="1" lang="ja-JP" altLang="en-US" smtClean="0"/>
-              <a:t>2020/6/13</a:t>
+              <a:t>2020/6/22</a:t>
             </a:fld>
             <a:endParaRPr kumimoji="1" lang="ja-JP" altLang="en-US"/>
           </a:p>
@@ -1401,7 +1401,7 @@
           <a:p>
             <a:fld id="{EBA4941A-5C81-4E9F-A16C-82090CCC0FD4}" type="datetimeFigureOut">
               <a:rPr kumimoji="1" lang="ja-JP" altLang="en-US" smtClean="0"/>
-              <a:t>2020/6/13</a:t>
+              <a:t>2020/6/22</a:t>
             </a:fld>
             <a:endParaRPr kumimoji="1" lang="ja-JP" altLang="en-US"/>
           </a:p>
@@ -1832,7 +1832,7 @@
           <a:p>
             <a:fld id="{EBA4941A-5C81-4E9F-A16C-82090CCC0FD4}" type="datetimeFigureOut">
               <a:rPr kumimoji="1" lang="ja-JP" altLang="en-US" smtClean="0"/>
-              <a:t>2020/6/13</a:t>
+              <a:t>2020/6/22</a:t>
             </a:fld>
             <a:endParaRPr kumimoji="1" lang="ja-JP" altLang="en-US"/>
           </a:p>
@@ -1950,7 +1950,7 @@
           <a:p>
             <a:fld id="{EBA4941A-5C81-4E9F-A16C-82090CCC0FD4}" type="datetimeFigureOut">
               <a:rPr kumimoji="1" lang="ja-JP" altLang="en-US" smtClean="0"/>
-              <a:t>2020/6/13</a:t>
+              <a:t>2020/6/22</a:t>
             </a:fld>
             <a:endParaRPr kumimoji="1" lang="ja-JP" altLang="en-US"/>
           </a:p>
@@ -2045,7 +2045,7 @@
           <a:p>
             <a:fld id="{EBA4941A-5C81-4E9F-A16C-82090CCC0FD4}" type="datetimeFigureOut">
               <a:rPr kumimoji="1" lang="ja-JP" altLang="en-US" smtClean="0"/>
-              <a:t>2020/6/13</a:t>
+              <a:t>2020/6/22</a:t>
             </a:fld>
             <a:endParaRPr kumimoji="1" lang="ja-JP" altLang="en-US"/>
           </a:p>
@@ -2354,7 +2354,7 @@
           <a:p>
             <a:fld id="{EBA4941A-5C81-4E9F-A16C-82090CCC0FD4}" type="datetimeFigureOut">
               <a:rPr kumimoji="1" lang="ja-JP" altLang="en-US" smtClean="0"/>
-              <a:t>2020/6/13</a:t>
+              <a:t>2020/6/22</a:t>
             </a:fld>
             <a:endParaRPr kumimoji="1" lang="ja-JP" altLang="en-US"/>
           </a:p>
@@ -2611,7 +2611,7 @@
           <a:p>
             <a:fld id="{EBA4941A-5C81-4E9F-A16C-82090CCC0FD4}" type="datetimeFigureOut">
               <a:rPr kumimoji="1" lang="ja-JP" altLang="en-US" smtClean="0"/>
-              <a:t>2020/6/13</a:t>
+              <a:t>2020/6/22</a:t>
             </a:fld>
             <a:endParaRPr kumimoji="1" lang="ja-JP" altLang="en-US"/>
           </a:p>
@@ -2856,7 +2856,7 @@
           <a:p>
             <a:fld id="{EBA4941A-5C81-4E9F-A16C-82090CCC0FD4}" type="datetimeFigureOut">
               <a:rPr kumimoji="1" lang="ja-JP" altLang="en-US" smtClean="0"/>
-              <a:t>2020/6/13</a:t>
+              <a:t>2020/6/22</a:t>
             </a:fld>
             <a:endParaRPr kumimoji="1" lang="ja-JP" altLang="en-US"/>
           </a:p>
@@ -3776,8 +3776,8 @@
           <a:prstGeom prst="blockArc">
             <a:avLst>
               <a:gd name="adj1" fmla="val 5353547"/>
-              <a:gd name="adj2" fmla="val 0"/>
-              <a:gd name="adj3" fmla="val 25000"/>
+              <a:gd name="adj2" fmla="val 21470664"/>
+              <a:gd name="adj3" fmla="val 16879"/>
             </a:avLst>
           </a:prstGeom>
           <a:solidFill>
@@ -3830,8 +3830,8 @@
         </p:nvSpPr>
         <p:spPr>
           <a:xfrm rot="5400000">
-            <a:off x="3811152" y="1928311"/>
-            <a:ext cx="850589" cy="446314"/>
+            <a:off x="3848327" y="2016499"/>
+            <a:ext cx="661822" cy="357375"/>
           </a:xfrm>
           <a:prstGeom prst="triangle">
             <a:avLst/>
@@ -3888,8 +3888,8 @@
           <a:prstGeom prst="blockArc">
             <a:avLst>
               <a:gd name="adj1" fmla="val 5353547"/>
-              <a:gd name="adj2" fmla="val 0"/>
-              <a:gd name="adj3" fmla="val 25000"/>
+              <a:gd name="adj2" fmla="val 21470664"/>
+              <a:gd name="adj3" fmla="val 16879"/>
             </a:avLst>
           </a:prstGeom>
           <a:solidFill>
@@ -3928,58 +3928,6 @@
           </a:p>
         </p:txBody>
       </p:sp>
-      <p:sp>
-        <p:nvSpPr>
-          <p:cNvPr id="19" name="二等辺三角形 18">
-            <a:extLst>
-              <a:ext uri="{FF2B5EF4-FFF2-40B4-BE49-F238E27FC236}">
-                <a16:creationId xmlns:a16="http://schemas.microsoft.com/office/drawing/2014/main" id="{BC72A0D4-84F3-4FD8-BD3B-1105FE7354C4}"/>
-              </a:ext>
-            </a:extLst>
-          </p:cNvPr>
-          <p:cNvSpPr/>
-          <p:nvPr/>
-        </p:nvSpPr>
-        <p:spPr>
-          <a:xfrm rot="16200000">
-            <a:off x="5447547" y="1929964"/>
-            <a:ext cx="850589" cy="446314"/>
-          </a:xfrm>
-          <a:prstGeom prst="triangle">
-            <a:avLst/>
-          </a:prstGeom>
-          <a:solidFill>
-            <a:schemeClr val="bg1"/>
-          </a:solidFill>
-          <a:ln>
-            <a:noFill/>
-          </a:ln>
-        </p:spPr>
-        <p:style>
-          <a:lnRef idx="2">
-            <a:schemeClr val="accent1">
-              <a:shade val="50000"/>
-            </a:schemeClr>
-          </a:lnRef>
-          <a:fillRef idx="1">
-            <a:schemeClr val="accent1"/>
-          </a:fillRef>
-          <a:effectRef idx="0">
-            <a:schemeClr val="accent1"/>
-          </a:effectRef>
-          <a:fontRef idx="minor">
-            <a:schemeClr val="lt1"/>
-          </a:fontRef>
-        </p:style>
-        <p:txBody>
-          <a:bodyPr rtlCol="0" anchor="ctr"/>
-          <a:lstStyle/>
-          <a:p>
-            <a:pPr algn="ctr"/>
-            <a:endParaRPr kumimoji="1" lang="ja-JP" altLang="en-US"/>
-          </a:p>
-        </p:txBody>
-      </p:sp>
       <p:grpSp>
         <p:nvGrpSpPr>
           <p:cNvPr id="10" name="グループ化 9">
@@ -3994,7 +3942,7 @@
         </p:nvGrpSpPr>
         <p:grpSpPr>
           <a:xfrm>
-            <a:off x="7543719" y="1413291"/>
+            <a:off x="7301653" y="157641"/>
             <a:ext cx="1587136" cy="625764"/>
             <a:chOff x="8048079" y="3855310"/>
             <a:chExt cx="1587136" cy="625764"/>
@@ -5012,7 +4960,7 @@
         </p:nvGrpSpPr>
         <p:grpSpPr>
           <a:xfrm>
-            <a:off x="4693264" y="4541781"/>
+            <a:off x="6070857" y="4541781"/>
             <a:ext cx="3825402" cy="2154583"/>
             <a:chOff x="4675838" y="4986228"/>
             <a:chExt cx="2880000" cy="1622104"/>
@@ -5187,6 +5135,500 @@
           </p:txBody>
         </p:sp>
       </p:grpSp>
+      <p:sp>
+        <p:nvSpPr>
+          <p:cNvPr id="3" name="テキスト ボックス 2">
+            <a:extLst>
+              <a:ext uri="{FF2B5EF4-FFF2-40B4-BE49-F238E27FC236}">
+                <a16:creationId xmlns:a16="http://schemas.microsoft.com/office/drawing/2014/main" id="{49076C9F-4D08-4FDC-B3FF-953FE2FF5B38}"/>
+              </a:ext>
+            </a:extLst>
+          </p:cNvPr>
+          <p:cNvSpPr txBox="1"/>
+          <p:nvPr/>
+        </p:nvSpPr>
+        <p:spPr>
+          <a:xfrm>
+            <a:off x="3467866" y="1181270"/>
+            <a:ext cx="1156086" cy="1107996"/>
+          </a:xfrm>
+          <a:prstGeom prst="rect">
+            <a:avLst/>
+          </a:prstGeom>
+          <a:noFill/>
+        </p:spPr>
+        <p:txBody>
+          <a:bodyPr wrap="none" rtlCol="0">
+            <a:spAutoFit/>
+          </a:bodyPr>
+          <a:lstStyle/>
+          <a:p>
+            <a:r>
+              <a:rPr kumimoji="1" lang="en-US" altLang="ja-JP" sz="6600" b="1" dirty="0">
+                <a:ln w="28575">
+                  <a:solidFill>
+                    <a:schemeClr val="tx1"/>
+                  </a:solidFill>
+                </a:ln>
+                <a:solidFill>
+                  <a:schemeClr val="bg1"/>
+                </a:solidFill>
+                <a:latin typeface="+mn-ea"/>
+              </a:rPr>
+              <a:t>90</a:t>
+            </a:r>
+            <a:endParaRPr kumimoji="1" lang="ja-JP" altLang="en-US" sz="6600" b="1" dirty="0">
+              <a:ln w="28575">
+                <a:solidFill>
+                  <a:schemeClr val="tx1"/>
+                </a:solidFill>
+              </a:ln>
+              <a:solidFill>
+                <a:schemeClr val="bg1"/>
+              </a:solidFill>
+              <a:latin typeface="+mn-ea"/>
+            </a:endParaRPr>
+          </a:p>
+        </p:txBody>
+      </p:sp>
+      <p:sp>
+        <p:nvSpPr>
+          <p:cNvPr id="43" name="二等辺三角形 42">
+            <a:extLst>
+              <a:ext uri="{FF2B5EF4-FFF2-40B4-BE49-F238E27FC236}">
+                <a16:creationId xmlns:a16="http://schemas.microsoft.com/office/drawing/2014/main" id="{8862C885-5E3C-4A55-98E7-02162F35F7AF}"/>
+              </a:ext>
+            </a:extLst>
+          </p:cNvPr>
+          <p:cNvSpPr/>
+          <p:nvPr/>
+        </p:nvSpPr>
+        <p:spPr>
+          <a:xfrm rot="16200000">
+            <a:off x="5613849" y="2013019"/>
+            <a:ext cx="661822" cy="357375"/>
+          </a:xfrm>
+          <a:prstGeom prst="triangle">
+            <a:avLst/>
+          </a:prstGeom>
+          <a:solidFill>
+            <a:schemeClr val="bg1"/>
+          </a:solidFill>
+          <a:ln>
+            <a:noFill/>
+          </a:ln>
+        </p:spPr>
+        <p:style>
+          <a:lnRef idx="2">
+            <a:schemeClr val="accent1">
+              <a:shade val="50000"/>
+            </a:schemeClr>
+          </a:lnRef>
+          <a:fillRef idx="1">
+            <a:schemeClr val="accent1"/>
+          </a:fillRef>
+          <a:effectRef idx="0">
+            <a:schemeClr val="accent1"/>
+          </a:effectRef>
+          <a:fontRef idx="minor">
+            <a:schemeClr val="lt1"/>
+          </a:fontRef>
+        </p:style>
+        <p:txBody>
+          <a:bodyPr rtlCol="0" anchor="ctr"/>
+          <a:lstStyle/>
+          <a:p>
+            <a:pPr algn="ctr"/>
+            <a:endParaRPr kumimoji="1" lang="ja-JP" altLang="en-US"/>
+          </a:p>
+        </p:txBody>
+      </p:sp>
+      <p:sp>
+        <p:nvSpPr>
+          <p:cNvPr id="44" name="テキスト ボックス 43">
+            <a:extLst>
+              <a:ext uri="{FF2B5EF4-FFF2-40B4-BE49-F238E27FC236}">
+                <a16:creationId xmlns:a16="http://schemas.microsoft.com/office/drawing/2014/main" id="{0603E070-D789-4A8B-8AE7-70E25202A4EF}"/>
+              </a:ext>
+            </a:extLst>
+          </p:cNvPr>
+          <p:cNvSpPr txBox="1"/>
+          <p:nvPr/>
+        </p:nvSpPr>
+        <p:spPr>
+          <a:xfrm>
+            <a:off x="5517965" y="1160215"/>
+            <a:ext cx="1156086" cy="1107996"/>
+          </a:xfrm>
+          <a:prstGeom prst="rect">
+            <a:avLst/>
+          </a:prstGeom>
+          <a:noFill/>
+        </p:spPr>
+        <p:txBody>
+          <a:bodyPr wrap="none" rtlCol="0">
+            <a:spAutoFit/>
+          </a:bodyPr>
+          <a:lstStyle/>
+          <a:p>
+            <a:r>
+              <a:rPr kumimoji="1" lang="en-US" altLang="ja-JP" sz="6600" b="1" dirty="0">
+                <a:ln w="28575">
+                  <a:solidFill>
+                    <a:schemeClr val="tx1"/>
+                  </a:solidFill>
+                </a:ln>
+                <a:solidFill>
+                  <a:schemeClr val="bg1"/>
+                </a:solidFill>
+                <a:latin typeface="+mn-ea"/>
+              </a:rPr>
+              <a:t>90</a:t>
+            </a:r>
+            <a:endParaRPr kumimoji="1" lang="ja-JP" altLang="en-US" sz="6600" b="1" dirty="0">
+              <a:ln w="28575">
+                <a:solidFill>
+                  <a:schemeClr val="tx1"/>
+                </a:solidFill>
+              </a:ln>
+              <a:solidFill>
+                <a:schemeClr val="bg1"/>
+              </a:solidFill>
+              <a:latin typeface="+mn-ea"/>
+            </a:endParaRPr>
+          </a:p>
+        </p:txBody>
+      </p:sp>
+      <p:pic>
+        <p:nvPicPr>
+          <p:cNvPr id="9" name="図 8">
+            <a:extLst>
+              <a:ext uri="{FF2B5EF4-FFF2-40B4-BE49-F238E27FC236}">
+                <a16:creationId xmlns:a16="http://schemas.microsoft.com/office/drawing/2014/main" id="{029CBE88-9A80-46B4-BE50-571C0717AF2D}"/>
+              </a:ext>
+            </a:extLst>
+          </p:cNvPr>
+          <p:cNvPicPr>
+            <a:picLocks noChangeAspect="1"/>
+          </p:cNvPicPr>
+          <p:nvPr/>
+        </p:nvPicPr>
+        <p:blipFill>
+          <a:blip r:embed="rId6">
+            <a:extLst>
+              <a:ext uri="{BEBA8EAE-BF5A-486C-A8C5-ECC9F3942E4B}">
+                <a14:imgProps xmlns:a14="http://schemas.microsoft.com/office/drawing/2010/main">
+                  <a14:imgLayer r:embed="rId7">
+                    <a14:imgEffect>
+                      <a14:backgroundRemoval t="3125" b="97656" l="1810" r="96833">
+                        <a14:foregroundMark x1="12670" y1="34375" x2="26244" y2="17188"/>
+                        <a14:foregroundMark x1="5882" y1="37891" x2="5882" y2="37891"/>
+                        <a14:foregroundMark x1="37557" y1="8594" x2="74208" y2="7813"/>
+                        <a14:foregroundMark x1="74208" y1="7813" x2="93665" y2="33594"/>
+                        <a14:foregroundMark x1="52489" y1="3125" x2="52489" y2="3125"/>
+                        <a14:foregroundMark x1="97285" y1="35938" x2="97285" y2="35938"/>
+                        <a14:foregroundMark x1="2262" y1="44141" x2="2262" y2="44141"/>
+                        <a14:foregroundMark x1="54299" y1="94141" x2="54299" y2="94141"/>
+                        <a14:foregroundMark x1="50226" y1="97656" x2="50226" y2="97656"/>
+                        <a14:foregroundMark x1="45249" y1="44922" x2="45249" y2="44922"/>
+                        <a14:foregroundMark x1="80543" y1="41797" x2="80543" y2="41797"/>
+                      </a14:backgroundRemoval>
+                    </a14:imgEffect>
+                  </a14:imgLayer>
+                </a14:imgProps>
+              </a:ext>
+            </a:extLst>
+          </a:blip>
+          <a:stretch>
+            <a:fillRect/>
+          </a:stretch>
+        </p:blipFill>
+        <p:spPr>
+          <a:xfrm>
+            <a:off x="239336" y="5135653"/>
+            <a:ext cx="1347333" cy="1560711"/>
+          </a:xfrm>
+          <a:prstGeom prst="rect">
+            <a:avLst/>
+          </a:prstGeom>
+        </p:spPr>
+      </p:pic>
+      <p:pic>
+        <p:nvPicPr>
+          <p:cNvPr id="32" name="図 31">
+            <a:extLst>
+              <a:ext uri="{FF2B5EF4-FFF2-40B4-BE49-F238E27FC236}">
+                <a16:creationId xmlns:a16="http://schemas.microsoft.com/office/drawing/2014/main" id="{76A64809-9D8D-4FDB-A291-9AC27E30CC20}"/>
+              </a:ext>
+            </a:extLst>
+          </p:cNvPr>
+          <p:cNvPicPr>
+            <a:picLocks noChangeAspect="1"/>
+          </p:cNvPicPr>
+          <p:nvPr/>
+        </p:nvPicPr>
+        <p:blipFill>
+          <a:blip r:embed="rId8">
+            <a:extLst>
+              <a:ext uri="{BEBA8EAE-BF5A-486C-A8C5-ECC9F3942E4B}">
+                <a14:imgProps xmlns:a14="http://schemas.microsoft.com/office/drawing/2010/main">
+                  <a14:imgLayer r:embed="rId9">
+                    <a14:imgEffect>
+                      <a14:backgroundRemoval t="1569" b="96471" l="3182" r="97273">
+                        <a14:foregroundMark x1="8636" y1="35294" x2="31818" y2="11373"/>
+                        <a14:foregroundMark x1="31818" y1="11373" x2="37273" y2="8627"/>
+                        <a14:foregroundMark x1="50455" y1="4314" x2="50455" y2="4314"/>
+                        <a14:foregroundMark x1="97273" y1="40000" x2="97273" y2="40000"/>
+                        <a14:foregroundMark x1="3636" y1="35686" x2="3636" y2="35686"/>
+                        <a14:foregroundMark x1="48636" y1="1569" x2="48636" y2="1569"/>
+                        <a14:foregroundMark x1="48636" y1="92157" x2="48636" y2="92157"/>
+                        <a14:foregroundMark x1="50455" y1="96471" x2="50455" y2="96471"/>
+                        <a14:foregroundMark x1="42727" y1="40392" x2="42727" y2="40392"/>
+                        <a14:foregroundMark x1="77273" y1="43922" x2="77273" y2="43922"/>
+                      </a14:backgroundRemoval>
+                    </a14:imgEffect>
+                  </a14:imgLayer>
+                </a14:imgProps>
+              </a:ext>
+            </a:extLst>
+          </a:blip>
+          <a:stretch>
+            <a:fillRect/>
+          </a:stretch>
+        </p:blipFill>
+        <p:spPr>
+          <a:xfrm>
+            <a:off x="1916349" y="5141749"/>
+            <a:ext cx="1341236" cy="1554615"/>
+          </a:xfrm>
+          <a:prstGeom prst="rect">
+            <a:avLst/>
+          </a:prstGeom>
+        </p:spPr>
+      </p:pic>
+      <p:sp>
+        <p:nvSpPr>
+          <p:cNvPr id="49" name="アーチ 48">
+            <a:extLst>
+              <a:ext uri="{FF2B5EF4-FFF2-40B4-BE49-F238E27FC236}">
+                <a16:creationId xmlns:a16="http://schemas.microsoft.com/office/drawing/2014/main" id="{67E00F8F-3CA8-48A3-9E32-9503DEABB7AB}"/>
+              </a:ext>
+            </a:extLst>
+          </p:cNvPr>
+          <p:cNvSpPr/>
+          <p:nvPr/>
+        </p:nvSpPr>
+        <p:spPr>
+          <a:xfrm rot="5400000">
+            <a:off x="7269773" y="971229"/>
+            <a:ext cx="1346709" cy="1346709"/>
+          </a:xfrm>
+          <a:prstGeom prst="blockArc">
+            <a:avLst>
+              <a:gd name="adj1" fmla="val 5353547"/>
+              <a:gd name="adj2" fmla="val 21470664"/>
+              <a:gd name="adj3" fmla="val 16879"/>
+            </a:avLst>
+          </a:prstGeom>
+          <a:solidFill>
+            <a:schemeClr val="bg1"/>
+          </a:solidFill>
+          <a:ln>
+            <a:noFill/>
+          </a:ln>
+        </p:spPr>
+        <p:style>
+          <a:lnRef idx="2">
+            <a:schemeClr val="accent1">
+              <a:shade val="50000"/>
+            </a:schemeClr>
+          </a:lnRef>
+          <a:fillRef idx="1">
+            <a:schemeClr val="accent1"/>
+          </a:fillRef>
+          <a:effectRef idx="0">
+            <a:schemeClr val="accent1"/>
+          </a:effectRef>
+          <a:fontRef idx="minor">
+            <a:schemeClr val="lt1"/>
+          </a:fontRef>
+        </p:style>
+        <p:txBody>
+          <a:bodyPr rtlCol="0" anchor="ctr"/>
+          <a:lstStyle/>
+          <a:p>
+            <a:pPr algn="ctr"/>
+            <a:endParaRPr kumimoji="1" lang="ja-JP" altLang="en-US">
+              <a:solidFill>
+                <a:schemeClr val="tx1"/>
+              </a:solidFill>
+            </a:endParaRPr>
+          </a:p>
+        </p:txBody>
+      </p:sp>
+      <p:sp>
+        <p:nvSpPr>
+          <p:cNvPr id="50" name="二等辺三角形 49">
+            <a:extLst>
+              <a:ext uri="{FF2B5EF4-FFF2-40B4-BE49-F238E27FC236}">
+                <a16:creationId xmlns:a16="http://schemas.microsoft.com/office/drawing/2014/main" id="{75134ADB-232E-4049-913D-F48EC965B817}"/>
+              </a:ext>
+            </a:extLst>
+          </p:cNvPr>
+          <p:cNvSpPr/>
+          <p:nvPr/>
+        </p:nvSpPr>
+        <p:spPr>
+          <a:xfrm rot="16200000">
+            <a:off x="7460979" y="2013491"/>
+            <a:ext cx="661822" cy="357375"/>
+          </a:xfrm>
+          <a:prstGeom prst="triangle">
+            <a:avLst/>
+          </a:prstGeom>
+          <a:solidFill>
+            <a:schemeClr val="bg1"/>
+          </a:solidFill>
+          <a:ln>
+            <a:noFill/>
+          </a:ln>
+        </p:spPr>
+        <p:style>
+          <a:lnRef idx="2">
+            <a:schemeClr val="accent1">
+              <a:shade val="50000"/>
+            </a:schemeClr>
+          </a:lnRef>
+          <a:fillRef idx="1">
+            <a:schemeClr val="accent1"/>
+          </a:fillRef>
+          <a:effectRef idx="0">
+            <a:schemeClr val="accent1"/>
+          </a:effectRef>
+          <a:fontRef idx="minor">
+            <a:schemeClr val="lt1"/>
+          </a:fontRef>
+        </p:style>
+        <p:txBody>
+          <a:bodyPr rtlCol="0" anchor="ctr"/>
+          <a:lstStyle/>
+          <a:p>
+            <a:pPr algn="ctr"/>
+            <a:endParaRPr kumimoji="1" lang="ja-JP" altLang="en-US"/>
+          </a:p>
+        </p:txBody>
+      </p:sp>
+      <p:sp>
+        <p:nvSpPr>
+          <p:cNvPr id="52" name="テキスト ボックス 51">
+            <a:extLst>
+              <a:ext uri="{FF2B5EF4-FFF2-40B4-BE49-F238E27FC236}">
+                <a16:creationId xmlns:a16="http://schemas.microsoft.com/office/drawing/2014/main" id="{F388AEED-0F81-4FF2-BCB6-852798DFBDF3}"/>
+              </a:ext>
+            </a:extLst>
+          </p:cNvPr>
+          <p:cNvSpPr txBox="1"/>
+          <p:nvPr/>
+        </p:nvSpPr>
+        <p:spPr>
+          <a:xfrm>
+            <a:off x="7269773" y="1248777"/>
+            <a:ext cx="1377300" cy="923330"/>
+          </a:xfrm>
+          <a:prstGeom prst="rect">
+            <a:avLst/>
+          </a:prstGeom>
+          <a:noFill/>
+        </p:spPr>
+        <p:txBody>
+          <a:bodyPr wrap="none" rtlCol="0">
+            <a:spAutoFit/>
+          </a:bodyPr>
+          <a:lstStyle/>
+          <a:p>
+            <a:r>
+              <a:rPr kumimoji="1" lang="en-US" altLang="ja-JP" sz="5400" b="1" dirty="0">
+                <a:ln w="28575">
+                  <a:solidFill>
+                    <a:schemeClr val="tx1"/>
+                  </a:solidFill>
+                </a:ln>
+                <a:solidFill>
+                  <a:schemeClr val="bg1"/>
+                </a:solidFill>
+                <a:latin typeface="+mn-ea"/>
+              </a:rPr>
+              <a:t>180</a:t>
+            </a:r>
+            <a:endParaRPr kumimoji="1" lang="ja-JP" altLang="en-US" sz="5400" b="1" dirty="0">
+              <a:ln w="28575">
+                <a:solidFill>
+                  <a:schemeClr val="tx1"/>
+                </a:solidFill>
+              </a:ln>
+              <a:solidFill>
+                <a:schemeClr val="bg1"/>
+              </a:solidFill>
+              <a:latin typeface="+mn-ea"/>
+            </a:endParaRPr>
+          </a:p>
+        </p:txBody>
+      </p:sp>
+      <p:pic>
+        <p:nvPicPr>
+          <p:cNvPr id="41" name="図 40">
+            <a:extLst>
+              <a:ext uri="{FF2B5EF4-FFF2-40B4-BE49-F238E27FC236}">
+                <a16:creationId xmlns:a16="http://schemas.microsoft.com/office/drawing/2014/main" id="{2D93FF70-9D45-41B5-AC1C-15602E2B934A}"/>
+              </a:ext>
+            </a:extLst>
+          </p:cNvPr>
+          <p:cNvPicPr>
+            <a:picLocks noChangeAspect="1"/>
+          </p:cNvPicPr>
+          <p:nvPr/>
+        </p:nvPicPr>
+        <p:blipFill>
+          <a:blip r:embed="rId10">
+            <a:extLst>
+              <a:ext uri="{BEBA8EAE-BF5A-486C-A8C5-ECC9F3942E4B}">
+                <a14:imgProps xmlns:a14="http://schemas.microsoft.com/office/drawing/2010/main">
+                  <a14:imgLayer r:embed="rId11">
+                    <a14:imgEffect>
+                      <a14:backgroundRemoval t="1961" b="95686" l="4000" r="94222">
+                        <a14:foregroundMark x1="17778" y1="18039" x2="38667" y2="8235"/>
+                        <a14:foregroundMark x1="4444" y1="37255" x2="4444" y2="37255"/>
+                        <a14:foregroundMark x1="49778" y1="3922" x2="49778" y2="3922"/>
+                        <a14:foregroundMark x1="49778" y1="1961" x2="49778" y2="1961"/>
+                        <a14:foregroundMark x1="92444" y1="34510" x2="92444" y2="34510"/>
+                        <a14:foregroundMark x1="40000" y1="79608" x2="40000" y2="79608"/>
+                        <a14:foregroundMark x1="48889" y1="96078" x2="48889" y2="96078"/>
+                        <a14:foregroundMark x1="94222" y1="41569" x2="94222" y2="41569"/>
+                        <a14:foregroundMark x1="89333" y1="45490" x2="89333" y2="45490"/>
+                        <a14:foregroundMark x1="80000" y1="53725" x2="80000" y2="53725"/>
+                        <a14:foregroundMark x1="40444" y1="55686" x2="40444" y2="55686"/>
+                        <a14:foregroundMark x1="22222" y1="40000" x2="22222" y2="40000"/>
+                      </a14:backgroundRemoval>
+                    </a14:imgEffect>
+                  </a14:imgLayer>
+                </a14:imgProps>
+              </a:ext>
+            </a:extLst>
+          </a:blip>
+          <a:stretch>
+            <a:fillRect/>
+          </a:stretch>
+        </p:blipFill>
+        <p:spPr>
+          <a:xfrm>
+            <a:off x="3715579" y="5131737"/>
+            <a:ext cx="1371719" cy="1554615"/>
+          </a:xfrm>
+          <a:prstGeom prst="rect">
+            <a:avLst/>
+          </a:prstGeom>
+        </p:spPr>
+      </p:pic>
     </p:spTree>
     <p:extLst>
       <p:ext uri="{BB962C8B-B14F-4D97-AF65-F5344CB8AC3E}">
